--- a/django_ppt/pyweb_ppt/pybo 9장.  댓글 기능.pptx
+++ b/django_ppt/pyweb_ppt/pybo 9장.  댓글 기능.pptx
@@ -5,7 +5,7 @@
     <p:sldMasterId id="2147483648" r:id="rId1"/>
   </p:sldMasterIdLst>
   <p:notesMasterIdLst>
-    <p:notesMasterId r:id="rId26"/>
+    <p:notesMasterId r:id="rId25"/>
   </p:notesMasterIdLst>
   <p:sldIdLst>
     <p:sldId id="256" r:id="rId2"/>
@@ -14,24 +14,23 @@
     <p:sldId id="372" r:id="rId5"/>
     <p:sldId id="374" r:id="rId6"/>
     <p:sldId id="378" r:id="rId7"/>
-    <p:sldId id="376" r:id="rId8"/>
-    <p:sldId id="375" r:id="rId9"/>
-    <p:sldId id="392" r:id="rId10"/>
-    <p:sldId id="373" r:id="rId11"/>
-    <p:sldId id="382" r:id="rId12"/>
-    <p:sldId id="381" r:id="rId13"/>
-    <p:sldId id="393" r:id="rId14"/>
-    <p:sldId id="377" r:id="rId15"/>
-    <p:sldId id="379" r:id="rId16"/>
-    <p:sldId id="380" r:id="rId17"/>
-    <p:sldId id="384" r:id="rId18"/>
-    <p:sldId id="385" r:id="rId19"/>
-    <p:sldId id="386" r:id="rId20"/>
-    <p:sldId id="387" r:id="rId21"/>
-    <p:sldId id="388" r:id="rId22"/>
-    <p:sldId id="389" r:id="rId23"/>
-    <p:sldId id="390" r:id="rId24"/>
-    <p:sldId id="391" r:id="rId25"/>
+    <p:sldId id="375" r:id="rId8"/>
+    <p:sldId id="392" r:id="rId9"/>
+    <p:sldId id="373" r:id="rId10"/>
+    <p:sldId id="382" r:id="rId11"/>
+    <p:sldId id="381" r:id="rId12"/>
+    <p:sldId id="393" r:id="rId13"/>
+    <p:sldId id="377" r:id="rId14"/>
+    <p:sldId id="379" r:id="rId15"/>
+    <p:sldId id="380" r:id="rId16"/>
+    <p:sldId id="384" r:id="rId17"/>
+    <p:sldId id="385" r:id="rId18"/>
+    <p:sldId id="386" r:id="rId19"/>
+    <p:sldId id="387" r:id="rId20"/>
+    <p:sldId id="388" r:id="rId21"/>
+    <p:sldId id="389" r:id="rId22"/>
+    <p:sldId id="390" r:id="rId23"/>
+    <p:sldId id="391" r:id="rId24"/>
   </p:sldIdLst>
   <p:sldSz cx="9906000" cy="6858000" type="A4"/>
   <p:notesSz cx="6858000" cy="9144000"/>
@@ -132,7 +131,7 @@
   </p:defaultTextStyle>
   <p:extLst>
     <p:ext uri="{EFAFB233-063F-42B5-8137-9DF3F51BA10A}">
-      <p15:sldGuideLst xmlns="" xmlns:p15="http://schemas.microsoft.com/office/powerpoint/2012/main">
+      <p15:sldGuideLst xmlns:p15="http://schemas.microsoft.com/office/powerpoint/2012/main">
         <p15:guide id="1" orient="horz" pos="2160">
           <p15:clr>
             <a:srgbClr val="A4A3A4"/>
@@ -231,7 +230,7 @@
           <a:p>
             <a:fld id="{7665CDAC-D627-4E87-877A-1B781DD4CADC}" type="datetimeFigureOut">
               <a:rPr lang="ko-KR" altLang="en-US" smtClean="0"/>
-              <a:t>2022-03-16</a:t>
+              <a:t>2023-07-09</a:t>
             </a:fld>
             <a:endParaRPr lang="ko-KR" altLang="en-US"/>
           </a:p>
@@ -643,7 +642,7 @@
           <a:p>
             <a:fld id="{C25BCFD5-C4DF-4EBC-B718-C69ED2FBDE6F}" type="datetime1">
               <a:rPr lang="ko-KR" altLang="en-US" smtClean="0"/>
-              <a:t>2022-03-16</a:t>
+              <a:t>2023-07-09</a:t>
             </a:fld>
             <a:endParaRPr lang="ko-KR" altLang="en-US"/>
           </a:p>
@@ -696,7 +695,7 @@
           <p:cNvPr id="9" name="직각 삼각형 2">
             <a:extLst>
               <a:ext uri="{FF2B5EF4-FFF2-40B4-BE49-F238E27FC236}">
-                <a16:creationId xmlns:a16="http://schemas.microsoft.com/office/drawing/2014/main" xmlns="" id="{3A714731-6D03-4E18-B8C6-D8E1F4F17412}"/>
+                <a16:creationId xmlns:a16="http://schemas.microsoft.com/office/drawing/2014/main" id="{3A714731-6D03-4E18-B8C6-D8E1F4F17412}"/>
               </a:ext>
             </a:extLst>
           </p:cNvPr>
@@ -812,7 +811,7 @@
           <p:cNvPr id="3" name="직각 삼각형 2">
             <a:extLst>
               <a:ext uri="{FF2B5EF4-FFF2-40B4-BE49-F238E27FC236}">
-                <a16:creationId xmlns:a16="http://schemas.microsoft.com/office/drawing/2014/main" xmlns="" id="{DF1B6BC0-8338-40DD-BF30-626E17AD387E}"/>
+                <a16:creationId xmlns:a16="http://schemas.microsoft.com/office/drawing/2014/main" id="{DF1B6BC0-8338-40DD-BF30-626E17AD387E}"/>
               </a:ext>
             </a:extLst>
           </p:cNvPr>
@@ -925,7 +924,7 @@
           <p:cNvPr id="2050" name="Picture 2" descr="íì´ì¬ â¢">
             <a:extLst>
               <a:ext uri="{FF2B5EF4-FFF2-40B4-BE49-F238E27FC236}">
-                <a16:creationId xmlns:a16="http://schemas.microsoft.com/office/drawing/2014/main" xmlns="" id="{8B696DBA-70BE-4EBC-8628-59B49C89E0D4}"/>
+                <a16:creationId xmlns:a16="http://schemas.microsoft.com/office/drawing/2014/main" id="{8B696DBA-70BE-4EBC-8628-59B49C89E0D4}"/>
               </a:ext>
             </a:extLst>
           </p:cNvPr>
@@ -1094,7 +1093,7 @@
           <a:p>
             <a:fld id="{AB448CD7-D367-43D5-B461-ACE552E75063}" type="datetime1">
               <a:rPr lang="ko-KR" altLang="en-US" smtClean="0"/>
-              <a:t>2022-03-16</a:t>
+              <a:t>2023-07-09</a:t>
             </a:fld>
             <a:endParaRPr lang="ko-KR" altLang="en-US"/>
           </a:p>
@@ -1272,7 +1271,7 @@
           <a:p>
             <a:fld id="{B6E49E79-7361-4780-8BEF-7EDE3708298A}" type="datetime1">
               <a:rPr lang="ko-KR" altLang="en-US" smtClean="0"/>
-              <a:t>2022-03-16</a:t>
+              <a:t>2023-07-09</a:t>
             </a:fld>
             <a:endParaRPr lang="ko-KR" altLang="en-US"/>
           </a:p>
@@ -1444,7 +1443,7 @@
           <a:p>
             <a:fld id="{A4D42E3C-B70B-437C-85CF-1286301B9CBA}" type="datetime1">
               <a:rPr lang="ko-KR" altLang="en-US" smtClean="0"/>
-              <a:t>2022-03-16</a:t>
+              <a:t>2023-07-09</a:t>
             </a:fld>
             <a:endParaRPr lang="ko-KR" altLang="en-US"/>
           </a:p>
@@ -1696,7 +1695,7 @@
           <a:p>
             <a:fld id="{B3369A20-5B3D-4D98-A822-26B93D177A40}" type="datetime1">
               <a:rPr lang="ko-KR" altLang="en-US" smtClean="0"/>
-              <a:t>2022-03-16</a:t>
+              <a:t>2023-07-09</a:t>
             </a:fld>
             <a:endParaRPr lang="ko-KR" altLang="en-US"/>
           </a:p>
@@ -1981,7 +1980,7 @@
           <a:p>
             <a:fld id="{685CD4CE-9E43-4F70-A9D8-A2130CA7D92A}" type="datetime1">
               <a:rPr lang="ko-KR" altLang="en-US" smtClean="0"/>
-              <a:t>2022-03-16</a:t>
+              <a:t>2023-07-09</a:t>
             </a:fld>
             <a:endParaRPr lang="ko-KR" altLang="en-US"/>
           </a:p>
@@ -2407,7 +2406,7 @@
           <a:p>
             <a:fld id="{F752BD92-DA3E-4A0B-90C9-7DE5E15B6E96}" type="datetime1">
               <a:rPr lang="ko-KR" altLang="en-US" smtClean="0"/>
-              <a:t>2022-03-16</a:t>
+              <a:t>2023-07-09</a:t>
             </a:fld>
             <a:endParaRPr lang="ko-KR" altLang="en-US"/>
           </a:p>
@@ -2531,7 +2530,7 @@
           <a:p>
             <a:fld id="{8EA2B83A-F366-424E-B742-340ACF856BB5}" type="datetime1">
               <a:rPr lang="ko-KR" altLang="en-US" smtClean="0"/>
-              <a:t>2022-03-16</a:t>
+              <a:t>2023-07-09</a:t>
             </a:fld>
             <a:endParaRPr lang="ko-KR" altLang="en-US"/>
           </a:p>
@@ -2626,7 +2625,7 @@
           <a:p>
             <a:fld id="{9A49D68B-5DBD-48E9-A8D4-FCBC4B3DD9C6}" type="datetime1">
               <a:rPr lang="ko-KR" altLang="en-US" smtClean="0"/>
-              <a:t>2022-03-16</a:t>
+              <a:t>2023-07-09</a:t>
             </a:fld>
             <a:endParaRPr lang="ko-KR" altLang="en-US"/>
           </a:p>
@@ -2901,7 +2900,7 @@
           <a:p>
             <a:fld id="{4CAB534F-7D16-467B-9320-91F98915D181}" type="datetime1">
               <a:rPr lang="ko-KR" altLang="en-US" smtClean="0"/>
-              <a:t>2022-03-16</a:t>
+              <a:t>2023-07-09</a:t>
             </a:fld>
             <a:endParaRPr lang="ko-KR" altLang="en-US"/>
           </a:p>
@@ -3153,7 +3152,7 @@
           <a:p>
             <a:fld id="{A390A91F-2F8D-4486-A69D-D680F95444B0}" type="datetime1">
               <a:rPr lang="ko-KR" altLang="en-US" smtClean="0"/>
-              <a:t>2022-03-16</a:t>
+              <a:t>2023-07-09</a:t>
             </a:fld>
             <a:endParaRPr lang="ko-KR" altLang="en-US"/>
           </a:p>
@@ -3332,7 +3331,7 @@
           <a:p>
             <a:fld id="{2238BBEA-E8DD-414A-BF68-FC2AFA7CFF2D}" type="datetime1">
               <a:rPr lang="ko-KR" altLang="en-US" smtClean="0"/>
-              <a:t>2022-03-16</a:t>
+              <a:t>2023-07-09</a:t>
             </a:fld>
             <a:endParaRPr lang="ko-KR" altLang="en-US"/>
           </a:p>
@@ -4182,15 +4181,7 @@
                   <a:schemeClr val="tx1"/>
                 </a:solidFill>
               </a:rPr>
-              <a:t> </a:t>
-            </a:r>
-            <a:r>
-              <a:rPr lang="ko-KR" altLang="en-US" sz="3200" b="1" dirty="0" smtClean="0">
-                <a:solidFill>
-                  <a:schemeClr val="tx1"/>
-                </a:solidFill>
-              </a:rPr>
-              <a:t>기능</a:t>
+              <a:t> 기능</a:t>
             </a:r>
             <a:endParaRPr lang="ko-KR" altLang="en-US" sz="3200" b="1" dirty="0">
               <a:solidFill>
@@ -4298,17 +4289,26 @@
               <a:t> </a:t>
             </a:r>
             <a:r>
-              <a:rPr lang="ko-KR" altLang="en-US" dirty="0"/>
+              <a:rPr lang="ko-KR" altLang="en-US" dirty="0" smtClean="0"/>
               <a:t>질문 </a:t>
             </a:r>
             <a:r>
-              <a:rPr lang="ko-KR" altLang="en-US" dirty="0" err="1"/>
+              <a:rPr lang="ko-KR" altLang="en-US" dirty="0" err="1" smtClean="0"/>
               <a:t>댓글</a:t>
             </a:r>
             <a:r>
-              <a:rPr lang="ko-KR" altLang="en-US" dirty="0"/>
-              <a:t> 등록하기</a:t>
-            </a:r>
+              <a:rPr lang="ko-KR" altLang="en-US" dirty="0" smtClean="0"/>
+              <a:t> 수정 </a:t>
+            </a:r>
+            <a:r>
+              <a:rPr lang="en-US" altLang="ko-KR" dirty="0" smtClean="0"/>
+              <a:t>/ </a:t>
+            </a:r>
+            <a:r>
+              <a:rPr lang="ko-KR" altLang="en-US" dirty="0" smtClean="0"/>
+              <a:t>삭제</a:t>
+            </a:r>
+            <a:endParaRPr lang="ko-KR" altLang="en-US" dirty="0"/>
           </a:p>
         </p:txBody>
       </p:sp>
@@ -4330,333 +4330,6 @@
             <a:fld id="{1BDE3FE7-3AEA-4B05-AC5A-802D1816ACF0}" type="slidenum">
               <a:rPr lang="ko-KR" altLang="en-US" smtClean="0"/>
               <a:t>10</a:t>
-            </a:fld>
-            <a:endParaRPr lang="ko-KR" altLang="en-US"/>
-          </a:p>
-        </p:txBody>
-      </p:sp>
-      <p:sp>
-        <p:nvSpPr>
-          <p:cNvPr id="5" name="TextBox 4"/>
-          <p:cNvSpPr txBox="1"/>
-          <p:nvPr/>
-        </p:nvSpPr>
-        <p:spPr>
-          <a:xfrm>
-            <a:off x="992560" y="1124744"/>
-            <a:ext cx="6048672" cy="509178"/>
-          </a:xfrm>
-          <a:prstGeom prst="rect">
-            <a:avLst/>
-          </a:prstGeom>
-          <a:ln>
-            <a:noFill/>
-          </a:ln>
-        </p:spPr>
-        <p:style>
-          <a:lnRef idx="2">
-            <a:schemeClr val="dk1"/>
-          </a:lnRef>
-          <a:fillRef idx="1">
-            <a:schemeClr val="lt1"/>
-          </a:fillRef>
-          <a:effectRef idx="0">
-            <a:schemeClr val="dk1"/>
-          </a:effectRef>
-          <a:fontRef idx="minor">
-            <a:schemeClr val="dk1"/>
-          </a:fontRef>
-        </p:style>
-        <p:txBody>
-          <a:bodyPr wrap="square" rtlCol="0">
-            <a:spAutoFit/>
-          </a:bodyPr>
-          <a:lstStyle/>
-          <a:p>
-            <a:pPr marL="342900" indent="-342900">
-              <a:lnSpc>
-                <a:spcPct val="150000"/>
-              </a:lnSpc>
-              <a:buFont typeface="Wingdings" panose="05000000000000000000" pitchFamily="2" charset="2"/>
-              <a:buChar char="l"/>
-            </a:pPr>
-            <a:r>
-              <a:rPr lang="en-US" altLang="ko-KR" sz="2000" dirty="0" smtClean="0">
-                <a:latin typeface="휴먼엑스포" panose="02030504000101010101" pitchFamily="18" charset="-127"/>
-                <a:ea typeface="휴먼엑스포" panose="02030504000101010101" pitchFamily="18" charset="-127"/>
-              </a:rPr>
-              <a:t>Comment </a:t>
-            </a:r>
-            <a:r>
-              <a:rPr lang="ko-KR" altLang="en-US" sz="2000" dirty="0" smtClean="0">
-                <a:latin typeface="휴먼엑스포" panose="02030504000101010101" pitchFamily="18" charset="-127"/>
-                <a:ea typeface="휴먼엑스포" panose="02030504000101010101" pitchFamily="18" charset="-127"/>
-              </a:rPr>
-              <a:t>클래스 </a:t>
-            </a:r>
-            <a:r>
-              <a:rPr lang="en-US" altLang="ko-KR" sz="2000" dirty="0" smtClean="0">
-                <a:latin typeface="휴먼엑스포" panose="02030504000101010101" pitchFamily="18" charset="-127"/>
-                <a:ea typeface="휴먼엑스포" panose="02030504000101010101" pitchFamily="18" charset="-127"/>
-              </a:rPr>
-              <a:t>CSS </a:t>
-            </a:r>
-            <a:r>
-              <a:rPr lang="ko-KR" altLang="en-US" sz="2000" dirty="0" smtClean="0">
-                <a:latin typeface="휴먼엑스포" panose="02030504000101010101" pitchFamily="18" charset="-127"/>
-                <a:ea typeface="휴먼엑스포" panose="02030504000101010101" pitchFamily="18" charset="-127"/>
-              </a:rPr>
-              <a:t>작성하기</a:t>
-            </a:r>
-            <a:endParaRPr lang="en-US" altLang="ko-KR" sz="2000" dirty="0" smtClean="0">
-              <a:latin typeface="휴먼엑스포" panose="02030504000101010101" pitchFamily="18" charset="-127"/>
-              <a:ea typeface="휴먼엑스포" panose="02030504000101010101" pitchFamily="18" charset="-127"/>
-            </a:endParaRPr>
-          </a:p>
-        </p:txBody>
-      </p:sp>
-      <p:pic>
-        <p:nvPicPr>
-          <p:cNvPr id="6" name="그림 5"/>
-          <p:cNvPicPr>
-            <a:picLocks noChangeAspect="1"/>
-          </p:cNvPicPr>
-          <p:nvPr/>
-        </p:nvPicPr>
-        <p:blipFill>
-          <a:blip r:embed="rId2">
-            <a:extLst>
-              <a:ext uri="{28A0092B-C50C-407E-A947-70E740481C1C}">
-                <a14:useLocalDpi xmlns:a14="http://schemas.microsoft.com/office/drawing/2010/main" val="0"/>
-              </a:ext>
-            </a:extLst>
-          </a:blip>
-          <a:stretch>
-            <a:fillRect/>
-          </a:stretch>
-        </p:blipFill>
-        <p:spPr>
-          <a:xfrm>
-            <a:off x="1519132" y="2093055"/>
-            <a:ext cx="6149873" cy="1767993"/>
-          </a:xfrm>
-          <a:prstGeom prst="rect">
-            <a:avLst/>
-          </a:prstGeom>
-          <a:ln>
-            <a:solidFill>
-              <a:schemeClr val="bg1">
-                <a:lumMod val="85000"/>
-              </a:schemeClr>
-            </a:solidFill>
-          </a:ln>
-        </p:spPr>
-      </p:pic>
-      <p:sp>
-        <p:nvSpPr>
-          <p:cNvPr id="8" name="TextBox 7"/>
-          <p:cNvSpPr txBox="1"/>
-          <p:nvPr/>
-        </p:nvSpPr>
-        <p:spPr>
-          <a:xfrm>
-            <a:off x="1512168" y="1700808"/>
-            <a:ext cx="1640632" cy="369332"/>
-          </a:xfrm>
-          <a:prstGeom prst="rect">
-            <a:avLst/>
-          </a:prstGeom>
-          <a:noFill/>
-        </p:spPr>
-        <p:txBody>
-          <a:bodyPr wrap="square" rtlCol="0">
-            <a:spAutoFit/>
-          </a:bodyPr>
-          <a:lstStyle/>
-          <a:p>
-            <a:r>
-              <a:rPr lang="en-US" altLang="ko-KR" dirty="0"/>
-              <a:t>b</a:t>
-            </a:r>
-            <a:r>
-              <a:rPr lang="en-US" altLang="ko-KR" dirty="0" smtClean="0"/>
-              <a:t>ase.html</a:t>
-            </a:r>
-            <a:endParaRPr lang="ko-KR" altLang="en-US" dirty="0"/>
-          </a:p>
-        </p:txBody>
-      </p:sp>
-      <p:sp>
-        <p:nvSpPr>
-          <p:cNvPr id="9" name="TextBox 8"/>
-          <p:cNvSpPr txBox="1"/>
-          <p:nvPr/>
-        </p:nvSpPr>
-        <p:spPr>
-          <a:xfrm>
-            <a:off x="1512168" y="4149080"/>
-            <a:ext cx="1640632" cy="369332"/>
-          </a:xfrm>
-          <a:prstGeom prst="rect">
-            <a:avLst/>
-          </a:prstGeom>
-          <a:noFill/>
-        </p:spPr>
-        <p:txBody>
-          <a:bodyPr wrap="square" rtlCol="0">
-            <a:spAutoFit/>
-          </a:bodyPr>
-          <a:lstStyle/>
-          <a:p>
-            <a:r>
-              <a:rPr lang="en-US" altLang="ko-KR" dirty="0"/>
-              <a:t>s</a:t>
-            </a:r>
-            <a:r>
-              <a:rPr lang="en-US" altLang="ko-KR" dirty="0" smtClean="0"/>
-              <a:t>tyle.css</a:t>
-            </a:r>
-            <a:endParaRPr lang="ko-KR" altLang="en-US" dirty="0"/>
-          </a:p>
-        </p:txBody>
-      </p:sp>
-      <p:pic>
-        <p:nvPicPr>
-          <p:cNvPr id="3" name="그림 2"/>
-          <p:cNvPicPr>
-            <a:picLocks noChangeAspect="1"/>
-          </p:cNvPicPr>
-          <p:nvPr/>
-        </p:nvPicPr>
-        <p:blipFill>
-          <a:blip r:embed="rId3">
-            <a:extLst>
-              <a:ext uri="{28A0092B-C50C-407E-A947-70E740481C1C}">
-                <a14:useLocalDpi xmlns:a14="http://schemas.microsoft.com/office/drawing/2010/main" val="0"/>
-              </a:ext>
-            </a:extLst>
-          </a:blip>
-          <a:stretch>
-            <a:fillRect/>
-          </a:stretch>
-        </p:blipFill>
-        <p:spPr>
-          <a:xfrm>
-            <a:off x="1604957" y="4581128"/>
-            <a:ext cx="4823878" cy="1127858"/>
-          </a:xfrm>
-          <a:prstGeom prst="rect">
-            <a:avLst/>
-          </a:prstGeom>
-          <a:ln>
-            <a:solidFill>
-              <a:schemeClr val="bg1">
-                <a:lumMod val="85000"/>
-              </a:schemeClr>
-            </a:solidFill>
-          </a:ln>
-        </p:spPr>
-      </p:pic>
-    </p:spTree>
-    <p:extLst>
-      <p:ext uri="{BB962C8B-B14F-4D97-AF65-F5344CB8AC3E}">
-        <p14:creationId xmlns:p14="http://schemas.microsoft.com/office/powerpoint/2010/main" val="686167172"/>
-      </p:ext>
-    </p:extLst>
-  </p:cSld>
-  <p:clrMapOvr>
-    <a:masterClrMapping/>
-  </p:clrMapOvr>
-  <p:timing>
-    <p:tnLst>
-      <p:par>
-        <p:cTn id="1" dur="indefinite" restart="never" nodeType="tmRoot"/>
-      </p:par>
-    </p:tnLst>
-  </p:timing>
-</p:sld>
-</file>
-
-<file path=ppt/slides/slide11.xml><?xml version="1.0" encoding="utf-8"?>
-<p:sld xmlns:a="http://schemas.openxmlformats.org/drawingml/2006/main" xmlns:r="http://schemas.openxmlformats.org/officeDocument/2006/relationships" xmlns:p="http://schemas.openxmlformats.org/presentationml/2006/main">
-  <p:cSld>
-    <p:spTree>
-      <p:nvGrpSpPr>
-        <p:cNvPr id="1" name=""/>
-        <p:cNvGrpSpPr/>
-        <p:nvPr/>
-      </p:nvGrpSpPr>
-      <p:grpSpPr>
-        <a:xfrm>
-          <a:off x="0" y="0"/>
-          <a:ext cx="0" cy="0"/>
-          <a:chOff x="0" y="0"/>
-          <a:chExt cx="0" cy="0"/>
-        </a:xfrm>
-      </p:grpSpPr>
-      <p:sp>
-        <p:nvSpPr>
-          <p:cNvPr id="2" name="제목 1"/>
-          <p:cNvSpPr>
-            <a:spLocks noGrp="1"/>
-          </p:cNvSpPr>
-          <p:nvPr>
-            <p:ph type="title"/>
-          </p:nvPr>
-        </p:nvSpPr>
-        <p:spPr/>
-        <p:txBody>
-          <a:bodyPr>
-            <a:normAutofit/>
-          </a:bodyPr>
-          <a:lstStyle/>
-          <a:p>
-            <a:r>
-              <a:rPr lang="en-US" altLang="ko-KR" dirty="0"/>
-              <a:t> </a:t>
-            </a:r>
-            <a:r>
-              <a:rPr lang="ko-KR" altLang="en-US" dirty="0" smtClean="0"/>
-              <a:t>질문 </a:t>
-            </a:r>
-            <a:r>
-              <a:rPr lang="ko-KR" altLang="en-US" dirty="0" err="1" smtClean="0"/>
-              <a:t>댓글</a:t>
-            </a:r>
-            <a:r>
-              <a:rPr lang="ko-KR" altLang="en-US" dirty="0" smtClean="0"/>
-              <a:t> 수정 </a:t>
-            </a:r>
-            <a:r>
-              <a:rPr lang="en-US" altLang="ko-KR" dirty="0" smtClean="0"/>
-              <a:t>/ </a:t>
-            </a:r>
-            <a:r>
-              <a:rPr lang="ko-KR" altLang="en-US" dirty="0" smtClean="0"/>
-              <a:t>삭제</a:t>
-            </a:r>
-            <a:endParaRPr lang="ko-KR" altLang="en-US" dirty="0"/>
-          </a:p>
-        </p:txBody>
-      </p:sp>
-      <p:sp>
-        <p:nvSpPr>
-          <p:cNvPr id="4" name="슬라이드 번호 개체 틀 3"/>
-          <p:cNvSpPr>
-            <a:spLocks noGrp="1"/>
-          </p:cNvSpPr>
-          <p:nvPr>
-            <p:ph type="sldNum" sz="quarter" idx="12"/>
-          </p:nvPr>
-        </p:nvSpPr>
-        <p:spPr/>
-        <p:txBody>
-          <a:bodyPr/>
-          <a:lstStyle/>
-          <a:p>
-            <a:fld id="{1BDE3FE7-3AEA-4B05-AC5A-802D1816ACF0}" type="slidenum">
-              <a:rPr lang="ko-KR" altLang="en-US" smtClean="0"/>
-              <a:t>11</a:t>
             </a:fld>
             <a:endParaRPr lang="ko-KR" altLang="en-US"/>
           </a:p>
@@ -4744,7 +4417,7 @@
       </p:sp>
       <p:pic>
         <p:nvPicPr>
-          <p:cNvPr id="3" name="그림 2"/>
+          <p:cNvPr id="6" name="그림 5"/>
           <p:cNvPicPr>
             <a:picLocks noChangeAspect="1"/>
           </p:cNvPicPr>
@@ -4764,8 +4437,8 @@
         </p:blipFill>
         <p:spPr>
           <a:xfrm>
-            <a:off x="1496616" y="1803445"/>
-            <a:ext cx="6066046" cy="4519052"/>
+            <a:off x="909662" y="1926728"/>
+            <a:ext cx="8501038" cy="3816424"/>
           </a:xfrm>
           <a:prstGeom prst="rect">
             <a:avLst/>
@@ -4799,7 +4472,7 @@
 </p:sld>
 </file>
 
-<file path=ppt/slides/slide12.xml><?xml version="1.0" encoding="utf-8"?>
+<file path=ppt/slides/slide11.xml><?xml version="1.0" encoding="utf-8"?>
 <p:sld xmlns:a="http://schemas.openxmlformats.org/drawingml/2006/main" xmlns:r="http://schemas.openxmlformats.org/officeDocument/2006/relationships" xmlns:p="http://schemas.openxmlformats.org/presentationml/2006/main">
   <p:cSld>
     <p:spTree>
@@ -4919,7 +4592,7 @@
           <a:p>
             <a:fld id="{1BDE3FE7-3AEA-4B05-AC5A-802D1816ACF0}" type="slidenum">
               <a:rPr lang="ko-KR" altLang="en-US" smtClean="0"/>
-              <a:t>12</a:t>
+              <a:t>11</a:t>
             </a:fld>
             <a:endParaRPr lang="ko-KR" altLang="en-US"/>
           </a:p>
@@ -5120,7 +4793,7 @@
 </p:sld>
 </file>
 
-<file path=ppt/slides/slide13.xml><?xml version="1.0" encoding="utf-8"?>
+<file path=ppt/slides/slide12.xml><?xml version="1.0" encoding="utf-8"?>
 <p:sld xmlns:a="http://schemas.openxmlformats.org/drawingml/2006/main" xmlns:r="http://schemas.openxmlformats.org/officeDocument/2006/relationships" xmlns:p="http://schemas.openxmlformats.org/presentationml/2006/main">
   <p:cSld>
     <p:spTree>
@@ -5203,7 +4876,7 @@
           <a:p>
             <a:fld id="{1BDE3FE7-3AEA-4B05-AC5A-802D1816ACF0}" type="slidenum">
               <a:rPr lang="ko-KR" altLang="en-US" smtClean="0"/>
-              <a:t>13</a:t>
+              <a:t>12</a:t>
             </a:fld>
             <a:endParaRPr lang="ko-KR" altLang="en-US"/>
           </a:p>
@@ -5339,7 +5012,7 @@
 </p:sld>
 </file>
 
-<file path=ppt/slides/slide14.xml><?xml version="1.0" encoding="utf-8"?>
+<file path=ppt/slides/slide13.xml><?xml version="1.0" encoding="utf-8"?>
 <p:sld xmlns:a="http://schemas.openxmlformats.org/drawingml/2006/main" xmlns:r="http://schemas.openxmlformats.org/officeDocument/2006/relationships" xmlns:p="http://schemas.openxmlformats.org/presentationml/2006/main">
   <p:cSld>
     <p:spTree>
@@ -5418,7 +5091,7 @@
           <a:p>
             <a:fld id="{1BDE3FE7-3AEA-4B05-AC5A-802D1816ACF0}" type="slidenum">
               <a:rPr lang="ko-KR" altLang="en-US" smtClean="0"/>
-              <a:t>14</a:t>
+              <a:t>13</a:t>
             </a:fld>
             <a:endParaRPr lang="ko-KR" altLang="en-US"/>
           </a:p>
@@ -5985,7 +5658,7 @@
 </p:sld>
 </file>
 
-<file path=ppt/slides/slide15.xml><?xml version="1.0" encoding="utf-8"?>
+<file path=ppt/slides/slide14.xml><?xml version="1.0" encoding="utf-8"?>
 <p:sld xmlns:a="http://schemas.openxmlformats.org/drawingml/2006/main" xmlns:r="http://schemas.openxmlformats.org/officeDocument/2006/relationships" xmlns:p="http://schemas.openxmlformats.org/presentationml/2006/main">
   <p:cSld>
     <p:spTree>
@@ -6064,7 +5737,7 @@
           <a:p>
             <a:fld id="{1BDE3FE7-3AEA-4B05-AC5A-802D1816ACF0}" type="slidenum">
               <a:rPr lang="ko-KR" altLang="en-US" smtClean="0"/>
-              <a:t>15</a:t>
+              <a:t>14</a:t>
             </a:fld>
             <a:endParaRPr lang="ko-KR" altLang="en-US"/>
           </a:p>
@@ -6214,7 +5887,7 @@
 </p:sld>
 </file>
 
-<file path=ppt/slides/slide16.xml><?xml version="1.0" encoding="utf-8"?>
+<file path=ppt/slides/slide15.xml><?xml version="1.0" encoding="utf-8"?>
 <p:sld xmlns:a="http://schemas.openxmlformats.org/drawingml/2006/main" xmlns:r="http://schemas.openxmlformats.org/officeDocument/2006/relationships" xmlns:p="http://schemas.openxmlformats.org/presentationml/2006/main">
   <p:cSld>
     <p:spTree>
@@ -6293,7 +5966,7 @@
           <a:p>
             <a:fld id="{1BDE3FE7-3AEA-4B05-AC5A-802D1816ACF0}" type="slidenum">
               <a:rPr lang="ko-KR" altLang="en-US" smtClean="0"/>
-              <a:t>16</a:t>
+              <a:t>15</a:t>
             </a:fld>
             <a:endParaRPr lang="ko-KR" altLang="en-US"/>
           </a:p>
@@ -6443,7 +6116,7 @@
 </p:sld>
 </file>
 
-<file path=ppt/slides/slide17.xml><?xml version="1.0" encoding="utf-8"?>
+<file path=ppt/slides/slide16.xml><?xml version="1.0" encoding="utf-8"?>
 <p:sld xmlns:a="http://schemas.openxmlformats.org/drawingml/2006/main" xmlns:r="http://schemas.openxmlformats.org/officeDocument/2006/relationships" xmlns:p="http://schemas.openxmlformats.org/presentationml/2006/main">
   <p:cSld>
     <p:spTree>
@@ -6525,7 +6198,7 @@
           <a:p>
             <a:fld id="{1BDE3FE7-3AEA-4B05-AC5A-802D1816ACF0}" type="slidenum">
               <a:rPr lang="ko-KR" altLang="en-US" smtClean="0"/>
-              <a:t>17</a:t>
+              <a:t>16</a:t>
             </a:fld>
             <a:endParaRPr lang="ko-KR" altLang="en-US"/>
           </a:p>
@@ -6693,7 +6366,7 @@
 </p:sld>
 </file>
 
-<file path=ppt/slides/slide18.xml><?xml version="1.0" encoding="utf-8"?>
+<file path=ppt/slides/slide17.xml><?xml version="1.0" encoding="utf-8"?>
 <p:sld xmlns:a="http://schemas.openxmlformats.org/drawingml/2006/main" xmlns:r="http://schemas.openxmlformats.org/officeDocument/2006/relationships" xmlns:p="http://schemas.openxmlformats.org/presentationml/2006/main">
   <p:cSld>
     <p:spTree>
@@ -6771,7 +6444,7 @@
           <a:p>
             <a:fld id="{1BDE3FE7-3AEA-4B05-AC5A-802D1816ACF0}" type="slidenum">
               <a:rPr lang="ko-KR" altLang="en-US" smtClean="0"/>
-              <a:t>18</a:t>
+              <a:t>17</a:t>
             </a:fld>
             <a:endParaRPr lang="ko-KR" altLang="en-US"/>
           </a:p>
@@ -7130,7 +6803,7 @@
 </p:sld>
 </file>
 
-<file path=ppt/slides/slide19.xml><?xml version="1.0" encoding="utf-8"?>
+<file path=ppt/slides/slide18.xml><?xml version="1.0" encoding="utf-8"?>
 <p:sld xmlns:a="http://schemas.openxmlformats.org/drawingml/2006/main" xmlns:r="http://schemas.openxmlformats.org/officeDocument/2006/relationships" xmlns:p="http://schemas.openxmlformats.org/presentationml/2006/main">
   <p:cSld>
     <p:spTree>
@@ -7200,7 +6873,7 @@
           <a:p>
             <a:fld id="{1BDE3FE7-3AEA-4B05-AC5A-802D1816ACF0}" type="slidenum">
               <a:rPr lang="ko-KR" altLang="en-US" smtClean="0"/>
-              <a:t>19</a:t>
+              <a:t>18</a:t>
             </a:fld>
             <a:endParaRPr lang="ko-KR" altLang="en-US"/>
           </a:p>
@@ -7336,7 +7009,7 @@
 </p:sld>
 </file>
 
-<file path=ppt/slides/slide2.xml><?xml version="1.0" encoding="utf-8"?>
+<file path=ppt/slides/slide19.xml><?xml version="1.0" encoding="utf-8"?>
 <p:sld xmlns:a="http://schemas.openxmlformats.org/drawingml/2006/main" xmlns:r="http://schemas.openxmlformats.org/officeDocument/2006/relationships" xmlns:p="http://schemas.openxmlformats.org/presentationml/2006/main">
   <p:cSld>
     <p:spTree>
@@ -7353,43 +7026,6 @@
           <a:chExt cx="0" cy="0"/>
         </a:xfrm>
       </p:grpSpPr>
-      <p:pic>
-        <p:nvPicPr>
-          <p:cNvPr id="8" name="그림 7"/>
-          <p:cNvPicPr>
-            <a:picLocks noChangeAspect="1"/>
-          </p:cNvPicPr>
-          <p:nvPr/>
-        </p:nvPicPr>
-        <p:blipFill>
-          <a:blip r:embed="rId2">
-            <a:extLst>
-              <a:ext uri="{28A0092B-C50C-407E-A947-70E740481C1C}">
-                <a14:useLocalDpi xmlns:a14="http://schemas.microsoft.com/office/drawing/2010/main" val="0"/>
-              </a:ext>
-            </a:extLst>
-          </a:blip>
-          <a:stretch>
-            <a:fillRect/>
-          </a:stretch>
-        </p:blipFill>
-        <p:spPr>
-          <a:xfrm>
-            <a:off x="920552" y="1399441"/>
-            <a:ext cx="5860288" cy="3177816"/>
-          </a:xfrm>
-          <a:prstGeom prst="rect">
-            <a:avLst/>
-          </a:prstGeom>
-          <a:ln>
-            <a:solidFill>
-              <a:schemeClr val="bg1">
-                <a:lumMod val="85000"/>
-              </a:schemeClr>
-            </a:solidFill>
-          </a:ln>
-        </p:spPr>
-      </p:pic>
       <p:sp>
         <p:nvSpPr>
           <p:cNvPr id="2" name="제목 1"/>
@@ -7412,16 +7048,32 @@
               <a:t> </a:t>
             </a:r>
             <a:r>
+              <a:rPr lang="ko-KR" altLang="en-US" dirty="0" smtClean="0"/>
+              <a:t>답</a:t>
+            </a:r>
+            <a:r>
+              <a:rPr lang="ko-KR" altLang="en-US" dirty="0"/>
+              <a:t>변</a:t>
+            </a:r>
+            <a:r>
+              <a:rPr lang="ko-KR" altLang="en-US" dirty="0" smtClean="0"/>
+              <a:t> </a:t>
+            </a:r>
+            <a:r>
               <a:rPr lang="ko-KR" altLang="en-US" dirty="0" err="1" smtClean="0"/>
-              <a:t>댓</a:t>
-            </a:r>
-            <a:r>
-              <a:rPr lang="ko-KR" altLang="en-US" dirty="0" err="1"/>
-              <a:t>글</a:t>
+              <a:t>댓글</a:t>
             </a:r>
             <a:r>
               <a:rPr lang="ko-KR" altLang="en-US" dirty="0" smtClean="0"/>
-              <a:t> 기능</a:t>
+              <a:t> 수정 </a:t>
+            </a:r>
+            <a:r>
+              <a:rPr lang="en-US" altLang="ko-KR" dirty="0" smtClean="0"/>
+              <a:t>/ </a:t>
+            </a:r>
+            <a:r>
+              <a:rPr lang="ko-KR" altLang="en-US" dirty="0" smtClean="0"/>
+              <a:t>삭제</a:t>
             </a:r>
             <a:endParaRPr lang="ko-KR" altLang="en-US" dirty="0"/>
           </a:p>
@@ -7444,157 +7096,7 @@
           <a:p>
             <a:fld id="{1BDE3FE7-3AEA-4B05-AC5A-802D1816ACF0}" type="slidenum">
               <a:rPr lang="ko-KR" altLang="en-US" smtClean="0"/>
-              <a:t>2</a:t>
-            </a:fld>
-            <a:endParaRPr lang="ko-KR" altLang="en-US"/>
-          </a:p>
-        </p:txBody>
-      </p:sp>
-      <p:pic>
-        <p:nvPicPr>
-          <p:cNvPr id="7" name="그림 6"/>
-          <p:cNvPicPr>
-            <a:picLocks noChangeAspect="1"/>
-          </p:cNvPicPr>
-          <p:nvPr/>
-        </p:nvPicPr>
-        <p:blipFill>
-          <a:blip r:embed="rId3">
-            <a:extLst>
-              <a:ext uri="{28A0092B-C50C-407E-A947-70E740481C1C}">
-                <a14:useLocalDpi xmlns:a14="http://schemas.microsoft.com/office/drawing/2010/main" val="0"/>
-              </a:ext>
-            </a:extLst>
-          </a:blip>
-          <a:stretch>
-            <a:fillRect/>
-          </a:stretch>
-        </p:blipFill>
-        <p:spPr>
-          <a:xfrm>
-            <a:off x="4448944" y="3429000"/>
-            <a:ext cx="5112568" cy="2227954"/>
-          </a:xfrm>
-          <a:prstGeom prst="rect">
-            <a:avLst/>
-          </a:prstGeom>
-          <a:ln>
-            <a:solidFill>
-              <a:schemeClr val="bg1">
-                <a:lumMod val="85000"/>
-              </a:schemeClr>
-            </a:solidFill>
-          </a:ln>
-        </p:spPr>
-      </p:pic>
-    </p:spTree>
-    <p:extLst>
-      <p:ext uri="{BB962C8B-B14F-4D97-AF65-F5344CB8AC3E}">
-        <p14:creationId xmlns:p14="http://schemas.microsoft.com/office/powerpoint/2010/main" val="831162408"/>
-      </p:ext>
-    </p:extLst>
-  </p:cSld>
-  <p:clrMapOvr>
-    <a:masterClrMapping/>
-  </p:clrMapOvr>
-  <p:timing>
-    <p:tnLst>
-      <p:par>
-        <p:cTn id="1" dur="indefinite" restart="never" nodeType="tmRoot"/>
-      </p:par>
-    </p:tnLst>
-  </p:timing>
-</p:sld>
-</file>
-
-<file path=ppt/slides/slide20.xml><?xml version="1.0" encoding="utf-8"?>
-<p:sld xmlns:a="http://schemas.openxmlformats.org/drawingml/2006/main" xmlns:r="http://schemas.openxmlformats.org/officeDocument/2006/relationships" xmlns:p="http://schemas.openxmlformats.org/presentationml/2006/main">
-  <p:cSld>
-    <p:spTree>
-      <p:nvGrpSpPr>
-        <p:cNvPr id="1" name=""/>
-        <p:cNvGrpSpPr/>
-        <p:nvPr/>
-      </p:nvGrpSpPr>
-      <p:grpSpPr>
-        <a:xfrm>
-          <a:off x="0" y="0"/>
-          <a:ext cx="0" cy="0"/>
-          <a:chOff x="0" y="0"/>
-          <a:chExt cx="0" cy="0"/>
-        </a:xfrm>
-      </p:grpSpPr>
-      <p:sp>
-        <p:nvSpPr>
-          <p:cNvPr id="2" name="제목 1"/>
-          <p:cNvSpPr>
-            <a:spLocks noGrp="1"/>
-          </p:cNvSpPr>
-          <p:nvPr>
-            <p:ph type="title"/>
-          </p:nvPr>
-        </p:nvSpPr>
-        <p:spPr/>
-        <p:txBody>
-          <a:bodyPr>
-            <a:normAutofit/>
-          </a:bodyPr>
-          <a:lstStyle/>
-          <a:p>
-            <a:r>
-              <a:rPr lang="en-US" altLang="ko-KR" dirty="0"/>
-              <a:t> </a:t>
-            </a:r>
-            <a:r>
-              <a:rPr lang="ko-KR" altLang="en-US" dirty="0" smtClean="0"/>
-              <a:t>답</a:t>
-            </a:r>
-            <a:r>
-              <a:rPr lang="ko-KR" altLang="en-US" dirty="0"/>
-              <a:t>변</a:t>
-            </a:r>
-            <a:r>
-              <a:rPr lang="ko-KR" altLang="en-US" dirty="0" smtClean="0"/>
-              <a:t> </a:t>
-            </a:r>
-            <a:r>
-              <a:rPr lang="ko-KR" altLang="en-US" dirty="0" err="1" smtClean="0"/>
-              <a:t>댓글</a:t>
-            </a:r>
-            <a:r>
-              <a:rPr lang="ko-KR" altLang="en-US" dirty="0" smtClean="0"/>
-              <a:t> 수정 </a:t>
-            </a:r>
-            <a:r>
-              <a:rPr lang="en-US" altLang="ko-KR" dirty="0" smtClean="0"/>
-              <a:t>/ </a:t>
-            </a:r>
-            <a:r>
-              <a:rPr lang="ko-KR" altLang="en-US" dirty="0" smtClean="0"/>
-              <a:t>삭제</a:t>
-            </a:r>
-            <a:endParaRPr lang="ko-KR" altLang="en-US" dirty="0"/>
-          </a:p>
-        </p:txBody>
-      </p:sp>
-      <p:sp>
-        <p:nvSpPr>
-          <p:cNvPr id="4" name="슬라이드 번호 개체 틀 3"/>
-          <p:cNvSpPr>
-            <a:spLocks noGrp="1"/>
-          </p:cNvSpPr>
-          <p:nvPr>
-            <p:ph type="sldNum" sz="quarter" idx="12"/>
-          </p:nvPr>
-        </p:nvSpPr>
-        <p:spPr/>
-        <p:txBody>
-          <a:bodyPr/>
-          <a:lstStyle/>
-          <a:p>
-            <a:fld id="{1BDE3FE7-3AEA-4B05-AC5A-802D1816ACF0}" type="slidenum">
-              <a:rPr lang="ko-KR" altLang="en-US" smtClean="0"/>
-              <a:t>20</a:t>
+              <a:t>19</a:t>
             </a:fld>
             <a:endParaRPr lang="ko-KR" altLang="en-US"/>
           </a:p>
@@ -7767,7 +7269,7 @@
 </p:sld>
 </file>
 
-<file path=ppt/slides/slide21.xml><?xml version="1.0" encoding="utf-8"?>
+<file path=ppt/slides/slide2.xml><?xml version="1.0" encoding="utf-8"?>
 <p:sld xmlns:a="http://schemas.openxmlformats.org/drawingml/2006/main" xmlns:r="http://schemas.openxmlformats.org/officeDocument/2006/relationships" xmlns:p="http://schemas.openxmlformats.org/presentationml/2006/main">
   <p:cSld>
     <p:spTree>
@@ -7806,6 +7308,140 @@
               <a:t> </a:t>
             </a:r>
             <a:r>
+              <a:rPr lang="ko-KR" altLang="en-US" dirty="0" err="1" smtClean="0"/>
+              <a:t>댓</a:t>
+            </a:r>
+            <a:r>
+              <a:rPr lang="ko-KR" altLang="en-US" dirty="0" err="1"/>
+              <a:t>글</a:t>
+            </a:r>
+            <a:r>
+              <a:rPr lang="ko-KR" altLang="en-US" dirty="0" smtClean="0"/>
+              <a:t> 기능</a:t>
+            </a:r>
+            <a:endParaRPr lang="ko-KR" altLang="en-US" dirty="0"/>
+          </a:p>
+        </p:txBody>
+      </p:sp>
+      <p:sp>
+        <p:nvSpPr>
+          <p:cNvPr id="4" name="슬라이드 번호 개체 틀 3"/>
+          <p:cNvSpPr>
+            <a:spLocks noGrp="1"/>
+          </p:cNvSpPr>
+          <p:nvPr>
+            <p:ph type="sldNum" sz="quarter" idx="12"/>
+          </p:nvPr>
+        </p:nvSpPr>
+        <p:spPr/>
+        <p:txBody>
+          <a:bodyPr/>
+          <a:lstStyle/>
+          <a:p>
+            <a:fld id="{1BDE3FE7-3AEA-4B05-AC5A-802D1816ACF0}" type="slidenum">
+              <a:rPr lang="ko-KR" altLang="en-US" smtClean="0"/>
+              <a:t>2</a:t>
+            </a:fld>
+            <a:endParaRPr lang="ko-KR" altLang="en-US"/>
+          </a:p>
+        </p:txBody>
+      </p:sp>
+      <p:pic>
+        <p:nvPicPr>
+          <p:cNvPr id="5" name="그림 4"/>
+          <p:cNvPicPr>
+            <a:picLocks noChangeAspect="1"/>
+          </p:cNvPicPr>
+          <p:nvPr/>
+        </p:nvPicPr>
+        <p:blipFill>
+          <a:blip r:embed="rId2">
+            <a:extLst>
+              <a:ext uri="{28A0092B-C50C-407E-A947-70E740481C1C}">
+                <a14:useLocalDpi xmlns:a14="http://schemas.microsoft.com/office/drawing/2010/main" val="0"/>
+              </a:ext>
+            </a:extLst>
+          </a:blip>
+          <a:stretch>
+            <a:fillRect/>
+          </a:stretch>
+        </p:blipFill>
+        <p:spPr>
+          <a:xfrm>
+            <a:off x="1096946" y="1485731"/>
+            <a:ext cx="7712108" cy="3886537"/>
+          </a:xfrm>
+          <a:prstGeom prst="rect">
+            <a:avLst/>
+          </a:prstGeom>
+          <a:ln>
+            <a:solidFill>
+              <a:schemeClr val="bg1">
+                <a:lumMod val="85000"/>
+              </a:schemeClr>
+            </a:solidFill>
+          </a:ln>
+        </p:spPr>
+      </p:pic>
+    </p:spTree>
+    <p:extLst>
+      <p:ext uri="{BB962C8B-B14F-4D97-AF65-F5344CB8AC3E}">
+        <p14:creationId xmlns:p14="http://schemas.microsoft.com/office/powerpoint/2010/main" val="831162408"/>
+      </p:ext>
+    </p:extLst>
+  </p:cSld>
+  <p:clrMapOvr>
+    <a:masterClrMapping/>
+  </p:clrMapOvr>
+  <p:timing>
+    <p:tnLst>
+      <p:par>
+        <p:cTn id="1" dur="indefinite" restart="never" nodeType="tmRoot"/>
+      </p:par>
+    </p:tnLst>
+  </p:timing>
+</p:sld>
+</file>
+
+<file path=ppt/slides/slide20.xml><?xml version="1.0" encoding="utf-8"?>
+<p:sld xmlns:a="http://schemas.openxmlformats.org/drawingml/2006/main" xmlns:r="http://schemas.openxmlformats.org/officeDocument/2006/relationships" xmlns:p="http://schemas.openxmlformats.org/presentationml/2006/main">
+  <p:cSld>
+    <p:spTree>
+      <p:nvGrpSpPr>
+        <p:cNvPr id="1" name=""/>
+        <p:cNvGrpSpPr/>
+        <p:nvPr/>
+      </p:nvGrpSpPr>
+      <p:grpSpPr>
+        <a:xfrm>
+          <a:off x="0" y="0"/>
+          <a:ext cx="0" cy="0"/>
+          <a:chOff x="0" y="0"/>
+          <a:chExt cx="0" cy="0"/>
+        </a:xfrm>
+      </p:grpSpPr>
+      <p:sp>
+        <p:nvSpPr>
+          <p:cNvPr id="2" name="제목 1"/>
+          <p:cNvSpPr>
+            <a:spLocks noGrp="1"/>
+          </p:cNvSpPr>
+          <p:nvPr>
+            <p:ph type="title"/>
+          </p:nvPr>
+        </p:nvSpPr>
+        <p:spPr/>
+        <p:txBody>
+          <a:bodyPr>
+            <a:normAutofit/>
+          </a:bodyPr>
+          <a:lstStyle/>
+          <a:p>
+            <a:r>
+              <a:rPr lang="en-US" altLang="ko-KR" dirty="0"/>
+              <a:t> </a:t>
+            </a:r>
+            <a:r>
               <a:rPr lang="ko-KR" altLang="en-US" dirty="0" smtClean="0"/>
               <a:t>답</a:t>
             </a:r>
@@ -7858,7 +7494,7 @@
           <a:p>
             <a:fld id="{1BDE3FE7-3AEA-4B05-AC5A-802D1816ACF0}" type="slidenum">
               <a:rPr lang="ko-KR" altLang="en-US" smtClean="0"/>
-              <a:t>21</a:t>
+              <a:t>20</a:t>
             </a:fld>
             <a:endParaRPr lang="ko-KR" altLang="en-US"/>
           </a:p>
@@ -7994,7 +7630,7 @@
 </p:sld>
 </file>
 
-<file path=ppt/slides/slide22.xml><?xml version="1.0" encoding="utf-8"?>
+<file path=ppt/slides/slide21.xml><?xml version="1.0" encoding="utf-8"?>
 <p:sld xmlns:a="http://schemas.openxmlformats.org/drawingml/2006/main" xmlns:r="http://schemas.openxmlformats.org/officeDocument/2006/relationships" xmlns:p="http://schemas.openxmlformats.org/presentationml/2006/main">
   <p:cSld>
     <p:spTree>
@@ -8081,7 +7717,7 @@
           <a:p>
             <a:fld id="{1BDE3FE7-3AEA-4B05-AC5A-802D1816ACF0}" type="slidenum">
               <a:rPr lang="ko-KR" altLang="en-US" smtClean="0"/>
-              <a:t>22</a:t>
+              <a:t>21</a:t>
             </a:fld>
             <a:endParaRPr lang="ko-KR" altLang="en-US"/>
           </a:p>
@@ -8551,7 +8187,7 @@
 </p:sld>
 </file>
 
-<file path=ppt/slides/slide23.xml><?xml version="1.0" encoding="utf-8"?>
+<file path=ppt/slides/slide22.xml><?xml version="1.0" encoding="utf-8"?>
 <p:sld xmlns:a="http://schemas.openxmlformats.org/drawingml/2006/main" xmlns:r="http://schemas.openxmlformats.org/officeDocument/2006/relationships" xmlns:p="http://schemas.openxmlformats.org/presentationml/2006/main">
   <p:cSld>
     <p:spTree>
@@ -8638,7 +8274,7 @@
           <a:p>
             <a:fld id="{1BDE3FE7-3AEA-4B05-AC5A-802D1816ACF0}" type="slidenum">
               <a:rPr lang="ko-KR" altLang="en-US" smtClean="0"/>
-              <a:t>23</a:t>
+              <a:t>22</a:t>
             </a:fld>
             <a:endParaRPr lang="ko-KR" altLang="en-US"/>
           </a:p>
@@ -8809,7 +8445,7 @@
 </p:sld>
 </file>
 
-<file path=ppt/slides/slide24.xml><?xml version="1.0" encoding="utf-8"?>
+<file path=ppt/slides/slide23.xml><?xml version="1.0" encoding="utf-8"?>
 <p:sld xmlns:a="http://schemas.openxmlformats.org/drawingml/2006/main" xmlns:r="http://schemas.openxmlformats.org/officeDocument/2006/relationships" xmlns:p="http://schemas.openxmlformats.org/presentationml/2006/main">
   <p:cSld>
     <p:spTree>
@@ -8896,7 +8532,7 @@
           <a:p>
             <a:fld id="{1BDE3FE7-3AEA-4B05-AC5A-802D1816ACF0}" type="slidenum">
               <a:rPr lang="ko-KR" altLang="en-US" smtClean="0"/>
-              <a:t>24</a:t>
+              <a:t>23</a:t>
             </a:fld>
             <a:endParaRPr lang="ko-KR" altLang="en-US"/>
           </a:p>
@@ -9638,7 +9274,7 @@
         <p:spPr>
           <a:xfrm>
             <a:off x="992560" y="1268760"/>
-            <a:ext cx="7200800" cy="553998"/>
+            <a:ext cx="6408712" cy="553998"/>
           </a:xfrm>
           <a:prstGeom prst="rect">
             <a:avLst/>
@@ -9703,46 +9339,32 @@
               <a:t>– </a:t>
             </a:r>
             <a:r>
-              <a:rPr lang="ko-KR" altLang="en-US" sz="2000" dirty="0" err="1" smtClean="0">
-                <a:latin typeface="휴먼엑스포" panose="02030504000101010101" pitchFamily="18" charset="-127"/>
-                <a:ea typeface="휴먼엑스포" panose="02030504000101010101" pitchFamily="18" charset="-127"/>
-              </a:rPr>
-              <a:t>댓글</a:t>
-            </a:r>
-            <a:r>
               <a:rPr lang="ko-KR" altLang="en-US" sz="2000" dirty="0" smtClean="0">
                 <a:latin typeface="휴먼엑스포" panose="02030504000101010101" pitchFamily="18" charset="-127"/>
                 <a:ea typeface="휴먼엑스포" panose="02030504000101010101" pitchFamily="18" charset="-127"/>
               </a:rPr>
-              <a:t> 추가</a:t>
-            </a:r>
-            <a:r>
-              <a:rPr lang="en-US" altLang="ko-KR" sz="2000" dirty="0" smtClean="0">
+              <a:t>댓글 등록</a:t>
+            </a:r>
+            <a:r>
+              <a:rPr lang="en-US" altLang="ko-KR" sz="2000" dirty="0">
                 <a:latin typeface="휴먼엑스포" panose="02030504000101010101" pitchFamily="18" charset="-127"/>
                 <a:ea typeface="휴먼엑스포" panose="02030504000101010101" pitchFamily="18" charset="-127"/>
               </a:rPr>
-              <a:t>(</a:t>
+              <a:t> </a:t>
             </a:r>
             <a:r>
               <a:rPr lang="ko-KR" altLang="en-US" sz="2000" dirty="0" smtClean="0">
                 <a:latin typeface="휴먼엑스포" panose="02030504000101010101" pitchFamily="18" charset="-127"/>
                 <a:ea typeface="휴먼엑스포" panose="02030504000101010101" pitchFamily="18" charset="-127"/>
               </a:rPr>
-              <a:t>등록</a:t>
-            </a:r>
-            <a:r>
-              <a:rPr lang="en-US" altLang="ko-KR" sz="2000" dirty="0" smtClean="0">
-                <a:latin typeface="휴먼엑스포" panose="02030504000101010101" pitchFamily="18" charset="-127"/>
-                <a:ea typeface="휴먼엑스포" panose="02030504000101010101" pitchFamily="18" charset="-127"/>
-              </a:rPr>
-              <a:t>) </a:t>
+              <a:t>폼 만들기</a:t>
             </a:r>
             <a:r>
               <a:rPr lang="ko-KR" altLang="en-US" sz="2000" dirty="0" smtClean="0">
                 <a:latin typeface="휴먼엑스포" panose="02030504000101010101" pitchFamily="18" charset="-127"/>
                 <a:ea typeface="휴먼엑스포" panose="02030504000101010101" pitchFamily="18" charset="-127"/>
               </a:rPr>
-              <a:t>링크 만들기  </a:t>
+              <a:t>  </a:t>
             </a:r>
             <a:endParaRPr lang="en-US" altLang="ko-KR" sz="2000" dirty="0" smtClean="0">
               <a:latin typeface="휴먼엑스포" panose="02030504000101010101" pitchFamily="18" charset="-127"/>
@@ -9753,7 +9375,7 @@
       </p:sp>
       <p:pic>
         <p:nvPicPr>
-          <p:cNvPr id="8" name="그림 7"/>
+          <p:cNvPr id="3" name="그림 2"/>
           <p:cNvPicPr>
             <a:picLocks noChangeAspect="1"/>
           </p:cNvPicPr>
@@ -9773,8 +9395,8 @@
         </p:blipFill>
         <p:spPr>
           <a:xfrm>
-            <a:off x="1136575" y="1916833"/>
-            <a:ext cx="7920881" cy="4212302"/>
+            <a:off x="996279" y="1904277"/>
+            <a:ext cx="8265368" cy="4549060"/>
           </a:xfrm>
           <a:prstGeom prst="rect">
             <a:avLst/>
@@ -9788,6 +9410,94 @@
           </a:ln>
         </p:spPr>
       </p:pic>
+      <p:cxnSp>
+        <p:nvCxnSpPr>
+          <p:cNvPr id="7" name="직선 화살표 연결선 6"/>
+          <p:cNvCxnSpPr/>
+          <p:nvPr/>
+        </p:nvCxnSpPr>
+        <p:spPr>
+          <a:xfrm flipH="1">
+            <a:off x="6321152" y="2821578"/>
+            <a:ext cx="1224136" cy="0"/>
+          </a:xfrm>
+          <a:prstGeom prst="straightConnector1">
+            <a:avLst/>
+          </a:prstGeom>
+          <a:ln w="12700">
+            <a:solidFill>
+              <a:srgbClr val="C00000"/>
+            </a:solidFill>
+            <a:headEnd type="none" w="med" len="med"/>
+            <a:tailEnd type="triangle" w="med" len="med"/>
+          </a:ln>
+        </p:spPr>
+        <p:style>
+          <a:lnRef idx="1">
+            <a:schemeClr val="accent1"/>
+          </a:lnRef>
+          <a:fillRef idx="0">
+            <a:schemeClr val="accent1"/>
+          </a:fillRef>
+          <a:effectRef idx="0">
+            <a:schemeClr val="accent1"/>
+          </a:effectRef>
+          <a:fontRef idx="minor">
+            <a:schemeClr val="tx1"/>
+          </a:fontRef>
+        </p:style>
+      </p:cxnSp>
+      <p:sp>
+        <p:nvSpPr>
+          <p:cNvPr id="9" name="TextBox 8"/>
+          <p:cNvSpPr txBox="1"/>
+          <p:nvPr/>
+        </p:nvSpPr>
+        <p:spPr>
+          <a:xfrm>
+            <a:off x="7545288" y="2636912"/>
+            <a:ext cx="2160240" cy="646986"/>
+          </a:xfrm>
+          <a:prstGeom prst="roundRect">
+            <a:avLst/>
+          </a:prstGeom>
+        </p:spPr>
+        <p:style>
+          <a:lnRef idx="2">
+            <a:schemeClr val="accent3"/>
+          </a:lnRef>
+          <a:fillRef idx="1">
+            <a:schemeClr val="lt1"/>
+          </a:fillRef>
+          <a:effectRef idx="0">
+            <a:schemeClr val="accent3"/>
+          </a:effectRef>
+          <a:fontRef idx="minor">
+            <a:schemeClr val="dk1"/>
+          </a:fontRef>
+        </p:style>
+        <p:txBody>
+          <a:bodyPr wrap="square" rtlCol="0">
+            <a:spAutoFit/>
+          </a:bodyPr>
+          <a:lstStyle/>
+          <a:p>
+            <a:r>
+              <a:rPr lang="ko-KR" altLang="en-US" sz="1600" dirty="0" smtClean="0"/>
+              <a:t>질문 수정</a:t>
+            </a:r>
+            <a:r>
+              <a:rPr lang="en-US" altLang="ko-KR" sz="1600" dirty="0" smtClean="0"/>
+              <a:t>, </a:t>
+            </a:r>
+            <a:r>
+              <a:rPr lang="ko-KR" altLang="en-US" sz="1600" dirty="0" smtClean="0"/>
+              <a:t>삭제 버튼 아래 위치</a:t>
+            </a:r>
+            <a:endParaRPr lang="ko-KR" altLang="en-US" sz="1600" dirty="0"/>
+          </a:p>
+        </p:txBody>
+      </p:sp>
     </p:spTree>
     <p:extLst>
       <p:ext uri="{BB962C8B-B14F-4D97-AF65-F5344CB8AC3E}">
@@ -10551,8 +10261,8 @@
         </p:nvSpPr>
         <p:spPr>
           <a:xfrm>
-            <a:off x="992560" y="1218818"/>
-            <a:ext cx="7920880" cy="553998"/>
+            <a:off x="992560" y="1124744"/>
+            <a:ext cx="6048672" cy="553998"/>
           </a:xfrm>
           <a:prstGeom prst="rect">
             <a:avLst/>
@@ -10607,30 +10317,18 @@
                 <a:latin typeface="휴먼엑스포" panose="02030504000101010101" pitchFamily="18" charset="-127"/>
                 <a:ea typeface="휴먼엑스포" panose="02030504000101010101" pitchFamily="18" charset="-127"/>
               </a:rPr>
-              <a:t> 등록을 위한 템플릿 </a:t>
-            </a:r>
-            <a:r>
-              <a:rPr lang="en-US" altLang="ko-KR" sz="2000" dirty="0" smtClean="0">
-                <a:latin typeface="휴먼엑스포" panose="02030504000101010101" pitchFamily="18" charset="-127"/>
-                <a:ea typeface="휴먼엑스포" panose="02030504000101010101" pitchFamily="18" charset="-127"/>
-              </a:rPr>
-              <a:t>– </a:t>
-            </a:r>
-            <a:r>
-              <a:rPr lang="en-US" altLang="ko-KR" dirty="0" smtClean="0">
-                <a:latin typeface="+mn-ea"/>
-              </a:rPr>
-              <a:t>board/comment_form.html</a:t>
-            </a:r>
-            <a:endParaRPr lang="ko-KR" altLang="en-US" dirty="0">
-              <a:latin typeface="+mn-ea"/>
+              <a:t> 등록 함수 추가하기</a:t>
+            </a:r>
+            <a:endParaRPr lang="en-US" altLang="ko-KR" sz="2000" dirty="0" smtClean="0">
+              <a:latin typeface="휴먼엑스포" panose="02030504000101010101" pitchFamily="18" charset="-127"/>
+              <a:ea typeface="휴먼엑스포" panose="02030504000101010101" pitchFamily="18" charset="-127"/>
             </a:endParaRPr>
           </a:p>
         </p:txBody>
       </p:sp>
       <p:pic>
         <p:nvPicPr>
-          <p:cNvPr id="3" name="그림 2"/>
+          <p:cNvPr id="6" name="그림 5"/>
           <p:cNvPicPr>
             <a:picLocks noChangeAspect="1"/>
           </p:cNvPicPr>
@@ -10650,8 +10348,8 @@
         </p:blipFill>
         <p:spPr>
           <a:xfrm>
-            <a:off x="1328106" y="1912978"/>
-            <a:ext cx="7520732" cy="4396342"/>
+            <a:off x="1136576" y="1844824"/>
+            <a:ext cx="7590178" cy="4061812"/>
           </a:xfrm>
           <a:prstGeom prst="rect">
             <a:avLst/>
@@ -10668,7 +10366,7 @@
     </p:spTree>
     <p:extLst>
       <p:ext uri="{BB962C8B-B14F-4D97-AF65-F5344CB8AC3E}">
-        <p14:creationId xmlns:p14="http://schemas.microsoft.com/office/powerpoint/2010/main" val="3172655519"/>
+        <p14:creationId xmlns:p14="http://schemas.microsoft.com/office/powerpoint/2010/main" val="2803861247"/>
       </p:ext>
     </p:extLst>
   </p:cSld>
@@ -10733,7 +10431,7 @@
             </a:r>
             <a:r>
               <a:rPr lang="ko-KR" altLang="en-US" dirty="0"/>
-              <a:t> 등록하기 </a:t>
+              <a:t> 등록하기</a:t>
             </a:r>
           </a:p>
         </p:txBody>
@@ -10769,8 +10467,8 @@
         </p:nvSpPr>
         <p:spPr>
           <a:xfrm>
-            <a:off x="992560" y="1124744"/>
-            <a:ext cx="6048672" cy="553998"/>
+            <a:off x="1064568" y="1233308"/>
+            <a:ext cx="3024336" cy="467500"/>
           </a:xfrm>
           <a:prstGeom prst="rect">
             <a:avLst/>
@@ -10807,27 +10505,20 @@
               <a:buChar char="l"/>
             </a:pPr>
             <a:r>
-              <a:rPr lang="ko-KR" altLang="en-US" sz="2000" dirty="0" smtClean="0">
+              <a:rPr lang="ko-KR" altLang="en-US" dirty="0" err="1" smtClean="0">
                 <a:latin typeface="휴먼엑스포" panose="02030504000101010101" pitchFamily="18" charset="-127"/>
                 <a:ea typeface="휴먼엑스포" panose="02030504000101010101" pitchFamily="18" charset="-127"/>
               </a:rPr>
-              <a:t>질문 </a:t>
-            </a:r>
-            <a:r>
-              <a:rPr lang="ko-KR" altLang="en-US" sz="2000" dirty="0" err="1" smtClean="0">
+              <a:t>댓글</a:t>
+            </a:r>
+            <a:r>
+              <a:rPr lang="ko-KR" altLang="en-US" dirty="0" smtClean="0">
                 <a:latin typeface="휴먼엑스포" panose="02030504000101010101" pitchFamily="18" charset="-127"/>
                 <a:ea typeface="휴먼엑스포" panose="02030504000101010101" pitchFamily="18" charset="-127"/>
               </a:rPr>
-              <a:t>댓글</a:t>
-            </a:r>
-            <a:r>
-              <a:rPr lang="ko-KR" altLang="en-US" sz="2000" dirty="0" smtClean="0">
-                <a:latin typeface="휴먼엑스포" panose="02030504000101010101" pitchFamily="18" charset="-127"/>
-                <a:ea typeface="휴먼엑스포" panose="02030504000101010101" pitchFamily="18" charset="-127"/>
-              </a:rPr>
-              <a:t> 등록 함수 추가하기</a:t>
-            </a:r>
-            <a:endParaRPr lang="en-US" altLang="ko-KR" sz="2000" dirty="0" smtClean="0">
+              <a:t> 내용 표시하기 </a:t>
+            </a:r>
+            <a:endParaRPr lang="en-US" altLang="ko-KR" dirty="0" smtClean="0">
               <a:latin typeface="휴먼엑스포" panose="02030504000101010101" pitchFamily="18" charset="-127"/>
               <a:ea typeface="휴먼엑스포" panose="02030504000101010101" pitchFamily="18" charset="-127"/>
             </a:endParaRPr>
@@ -10856,8 +10547,8 @@
         </p:blipFill>
         <p:spPr>
           <a:xfrm>
-            <a:off x="1424608" y="1706734"/>
-            <a:ext cx="6899567" cy="4688260"/>
+            <a:off x="1208584" y="1772816"/>
+            <a:ext cx="8017320" cy="4680520"/>
           </a:xfrm>
           <a:prstGeom prst="rect">
             <a:avLst/>
@@ -10874,7 +10565,7 @@
     </p:spTree>
     <p:extLst>
       <p:ext uri="{BB962C8B-B14F-4D97-AF65-F5344CB8AC3E}">
-        <p14:creationId xmlns:p14="http://schemas.microsoft.com/office/powerpoint/2010/main" val="2803861247"/>
+        <p14:creationId xmlns:p14="http://schemas.microsoft.com/office/powerpoint/2010/main" val="641537759"/>
       </p:ext>
     </p:extLst>
   </p:cSld>
@@ -10975,8 +10666,8 @@
         </p:nvSpPr>
         <p:spPr>
           <a:xfrm>
-            <a:off x="1064568" y="1233308"/>
-            <a:ext cx="3024336" cy="467500"/>
+            <a:off x="992560" y="1124744"/>
+            <a:ext cx="6048672" cy="553998"/>
           </a:xfrm>
           <a:prstGeom prst="rect">
             <a:avLst/>
@@ -11013,20 +10704,34 @@
               <a:buChar char="l"/>
             </a:pPr>
             <a:r>
-              <a:rPr lang="ko-KR" altLang="en-US" dirty="0" err="1" smtClean="0">
+              <a:rPr lang="en-US" altLang="ko-KR" sz="2000" dirty="0" smtClean="0">
                 <a:latin typeface="휴먼엑스포" panose="02030504000101010101" pitchFamily="18" charset="-127"/>
                 <a:ea typeface="휴먼엑스포" panose="02030504000101010101" pitchFamily="18" charset="-127"/>
               </a:rPr>
-              <a:t>댓글</a:t>
-            </a:r>
-            <a:r>
-              <a:rPr lang="ko-KR" altLang="en-US" dirty="0" smtClean="0">
+              <a:t>Comment</a:t>
+            </a:r>
+            <a:r>
+              <a:rPr lang="ko-KR" altLang="en-US" sz="2000" dirty="0" smtClean="0">
                 <a:latin typeface="휴먼엑스포" panose="02030504000101010101" pitchFamily="18" charset="-127"/>
                 <a:ea typeface="휴먼엑스포" panose="02030504000101010101" pitchFamily="18" charset="-127"/>
               </a:rPr>
-              <a:t> 내용 표시하기 </a:t>
-            </a:r>
-            <a:endParaRPr lang="en-US" altLang="ko-KR" dirty="0" smtClean="0">
+              <a:t> </a:t>
+            </a:r>
+            <a:r>
+              <a:rPr lang="en-US" altLang="ko-KR" sz="2000" dirty="0" smtClean="0">
+                <a:latin typeface="휴먼엑스포" panose="02030504000101010101" pitchFamily="18" charset="-127"/>
+                <a:ea typeface="휴먼엑스포" panose="02030504000101010101" pitchFamily="18" charset="-127"/>
+              </a:rPr>
+              <a:t>CSS </a:t>
+            </a:r>
+            <a:r>
+              <a:rPr lang="ko-KR" altLang="en-US" sz="2000" dirty="0" smtClean="0">
+                <a:latin typeface="휴먼엑스포" panose="02030504000101010101" pitchFamily="18" charset="-127"/>
+                <a:ea typeface="휴먼엑스포" panose="02030504000101010101" pitchFamily="18" charset="-127"/>
+              </a:rPr>
+              <a:t>작성하기</a:t>
+            </a:r>
+            <a:endParaRPr lang="en-US" altLang="ko-KR" sz="2000" dirty="0" smtClean="0">
               <a:latin typeface="휴먼엑스포" panose="02030504000101010101" pitchFamily="18" charset="-127"/>
               <a:ea typeface="휴먼엑스포" panose="02030504000101010101" pitchFamily="18" charset="-127"/>
             </a:endParaRPr>
@@ -11035,13 +10740,13 @@
       </p:sp>
       <p:pic>
         <p:nvPicPr>
-          <p:cNvPr id="8" name="그림 7"/>
+          <p:cNvPr id="6" name="그림 5"/>
           <p:cNvPicPr>
             <a:picLocks noChangeAspect="1"/>
           </p:cNvPicPr>
           <p:nvPr/>
         </p:nvPicPr>
-        <p:blipFill rotWithShape="1">
+        <p:blipFill>
           <a:blip r:embed="rId2">
             <a:extLst>
               <a:ext uri="{28A0092B-C50C-407E-A947-70E740481C1C}">
@@ -11049,13 +10754,14 @@
               </a:ext>
             </a:extLst>
           </a:blip>
-          <a:srcRect t="13098"/>
-          <a:stretch/>
+          <a:stretch>
+            <a:fillRect/>
+          </a:stretch>
         </p:blipFill>
         <p:spPr>
           <a:xfrm>
-            <a:off x="1432584" y="1723157"/>
-            <a:ext cx="7087215" cy="4874195"/>
+            <a:off x="1519132" y="2093055"/>
+            <a:ext cx="6149873" cy="1767993"/>
           </a:xfrm>
           <a:prstGeom prst="rect">
             <a:avLst/>
@@ -11069,72 +10775,22 @@
           </a:ln>
         </p:spPr>
       </p:pic>
-      <p:cxnSp>
-        <p:nvCxnSpPr>
-          <p:cNvPr id="6" name="직선 화살표 연결선 5"/>
-          <p:cNvCxnSpPr/>
+      <p:sp>
+        <p:nvSpPr>
+          <p:cNvPr id="8" name="TextBox 7"/>
+          <p:cNvSpPr txBox="1"/>
           <p:nvPr/>
-        </p:nvCxnSpPr>
+        </p:nvSpPr>
         <p:spPr>
-          <a:xfrm flipH="1">
-            <a:off x="5385048" y="2014959"/>
-            <a:ext cx="1224136" cy="0"/>
+          <a:xfrm>
+            <a:off x="1512168" y="1700808"/>
+            <a:ext cx="1640632" cy="369332"/>
           </a:xfrm>
-          <a:prstGeom prst="straightConnector1">
+          <a:prstGeom prst="rect">
             <a:avLst/>
           </a:prstGeom>
-          <a:ln w="12700">
-            <a:solidFill>
-              <a:srgbClr val="C00000"/>
-            </a:solidFill>
-            <a:headEnd type="none" w="med" len="med"/>
-            <a:tailEnd type="triangle" w="med" len="med"/>
-          </a:ln>
+          <a:noFill/>
         </p:spPr>
-        <p:style>
-          <a:lnRef idx="1">
-            <a:schemeClr val="accent1"/>
-          </a:lnRef>
-          <a:fillRef idx="0">
-            <a:schemeClr val="accent1"/>
-          </a:fillRef>
-          <a:effectRef idx="0">
-            <a:schemeClr val="accent1"/>
-          </a:effectRef>
-          <a:fontRef idx="minor">
-            <a:schemeClr val="tx1"/>
-          </a:fontRef>
-        </p:style>
-      </p:cxnSp>
-      <p:sp>
-        <p:nvSpPr>
-          <p:cNvPr id="7" name="TextBox 6"/>
-          <p:cNvSpPr txBox="1"/>
-          <p:nvPr/>
-        </p:nvSpPr>
-        <p:spPr>
-          <a:xfrm>
-            <a:off x="6609184" y="1830293"/>
-            <a:ext cx="2160240" cy="646986"/>
-          </a:xfrm>
-          <a:prstGeom prst="roundRect">
-            <a:avLst/>
-          </a:prstGeom>
-        </p:spPr>
-        <p:style>
-          <a:lnRef idx="2">
-            <a:schemeClr val="accent3"/>
-          </a:lnRef>
-          <a:fillRef idx="1">
-            <a:schemeClr val="lt1"/>
-          </a:fillRef>
-          <a:effectRef idx="0">
-            <a:schemeClr val="accent3"/>
-          </a:effectRef>
-          <a:fontRef idx="minor">
-            <a:schemeClr val="dk1"/>
-          </a:fontRef>
-        </p:style>
         <p:txBody>
           <a:bodyPr wrap="square" rtlCol="0">
             <a:spAutoFit/>
@@ -11142,25 +10798,92 @@
           <a:lstStyle/>
           <a:p>
             <a:r>
-              <a:rPr lang="ko-KR" altLang="en-US" sz="1600" dirty="0" smtClean="0"/>
-              <a:t>질문 수정</a:t>
-            </a:r>
-            <a:r>
-              <a:rPr lang="en-US" altLang="ko-KR" sz="1600" dirty="0" smtClean="0"/>
-              <a:t>, </a:t>
-            </a:r>
-            <a:r>
-              <a:rPr lang="ko-KR" altLang="en-US" sz="1600" dirty="0" smtClean="0"/>
-              <a:t>삭제 버튼 아래 위치</a:t>
-            </a:r>
-            <a:endParaRPr lang="ko-KR" altLang="en-US" sz="1600" dirty="0"/>
-          </a:p>
-        </p:txBody>
-      </p:sp>
+              <a:rPr lang="en-US" altLang="ko-KR" dirty="0"/>
+              <a:t>b</a:t>
+            </a:r>
+            <a:r>
+              <a:rPr lang="en-US" altLang="ko-KR" dirty="0" smtClean="0"/>
+              <a:t>ase.html</a:t>
+            </a:r>
+            <a:endParaRPr lang="ko-KR" altLang="en-US" dirty="0"/>
+          </a:p>
+        </p:txBody>
+      </p:sp>
+      <p:sp>
+        <p:nvSpPr>
+          <p:cNvPr id="9" name="TextBox 8"/>
+          <p:cNvSpPr txBox="1"/>
+          <p:nvPr/>
+        </p:nvSpPr>
+        <p:spPr>
+          <a:xfrm>
+            <a:off x="1512168" y="4149080"/>
+            <a:ext cx="1640632" cy="369332"/>
+          </a:xfrm>
+          <a:prstGeom prst="rect">
+            <a:avLst/>
+          </a:prstGeom>
+          <a:noFill/>
+        </p:spPr>
+        <p:txBody>
+          <a:bodyPr wrap="square" rtlCol="0">
+            <a:spAutoFit/>
+          </a:bodyPr>
+          <a:lstStyle/>
+          <a:p>
+            <a:r>
+              <a:rPr lang="en-US" altLang="ko-KR" dirty="0"/>
+              <a:t>s</a:t>
+            </a:r>
+            <a:r>
+              <a:rPr lang="en-US" altLang="ko-KR" dirty="0" smtClean="0"/>
+              <a:t>tyle.css</a:t>
+            </a:r>
+            <a:endParaRPr lang="ko-KR" altLang="en-US" dirty="0"/>
+          </a:p>
+        </p:txBody>
+      </p:sp>
+      <p:pic>
+        <p:nvPicPr>
+          <p:cNvPr id="3" name="그림 2"/>
+          <p:cNvPicPr>
+            <a:picLocks noChangeAspect="1"/>
+          </p:cNvPicPr>
+          <p:nvPr/>
+        </p:nvPicPr>
+        <p:blipFill>
+          <a:blip r:embed="rId3">
+            <a:extLst>
+              <a:ext uri="{28A0092B-C50C-407E-A947-70E740481C1C}">
+                <a14:useLocalDpi xmlns:a14="http://schemas.microsoft.com/office/drawing/2010/main" val="0"/>
+              </a:ext>
+            </a:extLst>
+          </a:blip>
+          <a:stretch>
+            <a:fillRect/>
+          </a:stretch>
+        </p:blipFill>
+        <p:spPr>
+          <a:xfrm>
+            <a:off x="1604957" y="4581128"/>
+            <a:ext cx="4823878" cy="1127858"/>
+          </a:xfrm>
+          <a:prstGeom prst="rect">
+            <a:avLst/>
+          </a:prstGeom>
+          <a:ln>
+            <a:solidFill>
+              <a:schemeClr val="bg1">
+                <a:lumMod val="85000"/>
+              </a:schemeClr>
+            </a:solidFill>
+          </a:ln>
+        </p:spPr>
+      </p:pic>
     </p:spTree>
     <p:extLst>
       <p:ext uri="{BB962C8B-B14F-4D97-AF65-F5344CB8AC3E}">
-        <p14:creationId xmlns:p14="http://schemas.microsoft.com/office/powerpoint/2010/main" val="641537759"/>
+        <p14:creationId xmlns:p14="http://schemas.microsoft.com/office/powerpoint/2010/main" val="686167172"/>
       </p:ext>
     </p:extLst>
   </p:cSld>
